--- a/PowerShell Task 1.pptx
+++ b/PowerShell Task 1.pptx
@@ -4232,7 +4232,7 @@
         <p:spPr>
           <a:xfrm>
             <a:off x="357051" y="5279751"/>
-            <a:ext cx="4669379" cy="1477328"/>
+            <a:ext cx="4669379" cy="2031325"/>
           </a:xfrm>
           <a:prstGeom prst="rect">
             <a:avLst/>
@@ -4259,6 +4259,26 @@
                 <a:cs typeface="Calibri" panose="020F0502020204030204" pitchFamily="34" charset="0"/>
               </a:rPr>
               <a:t>Student ID: 12241028</a:t>
+            </a:r>
+            <a:br>
+              <a:rPr lang="en-AU" sz="1800" dirty="0">
+                <a:effectLst/>
+                <a:latin typeface="Calibri" panose="020F0502020204030204" pitchFamily="34" charset="0"/>
+                <a:ea typeface="Times New Roman" panose="02020603050405020304" pitchFamily="18" charset="0"/>
+                <a:cs typeface="Calibri" panose="020F0502020204030204" pitchFamily="34" charset="0"/>
+              </a:rPr>
+            </a:br>
+            <a:r>
+              <a:rPr lang="en-AU" dirty="0" err="1">
+                <a:hlinkClick r:id="rId3"/>
+              </a:rPr>
+              <a:t>TimPortFoliHo</a:t>
+            </a:r>
+            <a:r>
+              <a:rPr lang="en-AU">
+                <a:hlinkClick r:id="rId3"/>
+              </a:rPr>
+              <a:t>/Peer-Programming: COIT11241: CYBER SECURITY TECHNOLOGIES (github.com)</a:t>
             </a:r>
             <a:br>
               <a:rPr lang="en-AU" sz="1800" dirty="0">
